--- a/figures/experiment_diagram.pptx
+++ b/figures/experiment_diagram.pptx
@@ -192,7 +192,7 @@
           <a:p>
             <a:fld id="{BA3E6E1F-7324-4792-BAF5-40F9499A57AF}" type="datetimeFigureOut">
               <a:rPr lang="en-US" smtClean="0"/>
-              <a:t>29/04/2019</a:t>
+              <a:t>25/05/2019</a:t>
             </a:fld>
             <a:endParaRPr lang="en-US"/>
           </a:p>
@@ -725,7 +725,7 @@
           <a:p>
             <a:fld id="{695C6AC5-AB7D-468A-95F2-8B72247DBA42}" type="datetimeFigureOut">
               <a:rPr lang="en-US" smtClean="0"/>
-              <a:t>29/04/2019</a:t>
+              <a:t>25/05/2019</a:t>
             </a:fld>
             <a:endParaRPr lang="en-US"/>
           </a:p>
@@ -895,7 +895,7 @@
           <a:p>
             <a:fld id="{695C6AC5-AB7D-468A-95F2-8B72247DBA42}" type="datetimeFigureOut">
               <a:rPr lang="en-US" smtClean="0"/>
-              <a:t>29/04/2019</a:t>
+              <a:t>25/05/2019</a:t>
             </a:fld>
             <a:endParaRPr lang="en-US"/>
           </a:p>
@@ -1075,7 +1075,7 @@
           <a:p>
             <a:fld id="{695C6AC5-AB7D-468A-95F2-8B72247DBA42}" type="datetimeFigureOut">
               <a:rPr lang="en-US" smtClean="0"/>
-              <a:t>29/04/2019</a:t>
+              <a:t>25/05/2019</a:t>
             </a:fld>
             <a:endParaRPr lang="en-US"/>
           </a:p>
@@ -1245,7 +1245,7 @@
           <a:p>
             <a:fld id="{695C6AC5-AB7D-468A-95F2-8B72247DBA42}" type="datetimeFigureOut">
               <a:rPr lang="en-US" smtClean="0"/>
-              <a:t>29/04/2019</a:t>
+              <a:t>25/05/2019</a:t>
             </a:fld>
             <a:endParaRPr lang="en-US"/>
           </a:p>
@@ -1491,7 +1491,7 @@
           <a:p>
             <a:fld id="{695C6AC5-AB7D-468A-95F2-8B72247DBA42}" type="datetimeFigureOut">
               <a:rPr lang="en-US" smtClean="0"/>
-              <a:t>29/04/2019</a:t>
+              <a:t>25/05/2019</a:t>
             </a:fld>
             <a:endParaRPr lang="en-US"/>
           </a:p>
@@ -1779,7 +1779,7 @@
           <a:p>
             <a:fld id="{695C6AC5-AB7D-468A-95F2-8B72247DBA42}" type="datetimeFigureOut">
               <a:rPr lang="en-US" smtClean="0"/>
-              <a:t>29/04/2019</a:t>
+              <a:t>25/05/2019</a:t>
             </a:fld>
             <a:endParaRPr lang="en-US"/>
           </a:p>
@@ -2206,7 +2206,7 @@
           <a:p>
             <a:fld id="{695C6AC5-AB7D-468A-95F2-8B72247DBA42}" type="datetimeFigureOut">
               <a:rPr lang="en-US" smtClean="0"/>
-              <a:t>29/04/2019</a:t>
+              <a:t>25/05/2019</a:t>
             </a:fld>
             <a:endParaRPr lang="en-US"/>
           </a:p>
@@ -2324,7 +2324,7 @@
           <a:p>
             <a:fld id="{695C6AC5-AB7D-468A-95F2-8B72247DBA42}" type="datetimeFigureOut">
               <a:rPr lang="en-US" smtClean="0"/>
-              <a:t>29/04/2019</a:t>
+              <a:t>25/05/2019</a:t>
             </a:fld>
             <a:endParaRPr lang="en-US"/>
           </a:p>
@@ -2419,7 +2419,7 @@
           <a:p>
             <a:fld id="{695C6AC5-AB7D-468A-95F2-8B72247DBA42}" type="datetimeFigureOut">
               <a:rPr lang="en-US" smtClean="0"/>
-              <a:t>29/04/2019</a:t>
+              <a:t>25/05/2019</a:t>
             </a:fld>
             <a:endParaRPr lang="en-US"/>
           </a:p>
@@ -2696,7 +2696,7 @@
           <a:p>
             <a:fld id="{695C6AC5-AB7D-468A-95F2-8B72247DBA42}" type="datetimeFigureOut">
               <a:rPr lang="en-US" smtClean="0"/>
-              <a:t>29/04/2019</a:t>
+              <a:t>25/05/2019</a:t>
             </a:fld>
             <a:endParaRPr lang="en-US"/>
           </a:p>
@@ -2949,7 +2949,7 @@
           <a:p>
             <a:fld id="{695C6AC5-AB7D-468A-95F2-8B72247DBA42}" type="datetimeFigureOut">
               <a:rPr lang="en-US" smtClean="0"/>
-              <a:t>29/04/2019</a:t>
+              <a:t>25/05/2019</a:t>
             </a:fld>
             <a:endParaRPr lang="en-US"/>
           </a:p>
@@ -3162,7 +3162,7 @@
           <a:p>
             <a:fld id="{695C6AC5-AB7D-468A-95F2-8B72247DBA42}" type="datetimeFigureOut">
               <a:rPr lang="en-US" smtClean="0"/>
-              <a:t>29/04/2019</a:t>
+              <a:t>25/05/2019</a:t>
             </a:fld>
             <a:endParaRPr lang="en-US"/>
           </a:p>
@@ -3714,7 +3714,7 @@
                   <a:ea typeface="CMU Serif" panose="02000603000000000000" pitchFamily="2" charset="0"/>
                   <a:cs typeface="CMU Serif" panose="02000603000000000000" pitchFamily="2" charset="0"/>
                 </a:rPr>
-                <a:t>Jun</a:t>
+                <a:t>M1</a:t>
               </a:r>
               <a:endParaRPr lang="en-US" sz="1200" dirty="0">
                 <a:solidFill>
@@ -3778,7 +3778,7 @@
                   <a:ea typeface="CMU Serif" panose="02000603000000000000" pitchFamily="2" charset="0"/>
                   <a:cs typeface="CMU Serif" panose="02000603000000000000" pitchFamily="2" charset="0"/>
                 </a:rPr>
-                <a:t>Jul</a:t>
+                <a:t>M2</a:t>
               </a:r>
               <a:endParaRPr lang="en-US" sz="1200" dirty="0">
                 <a:solidFill>
@@ -3842,7 +3842,7 @@
                   <a:ea typeface="CMU Serif" panose="02000603000000000000" pitchFamily="2" charset="0"/>
                   <a:cs typeface="CMU Serif" panose="02000603000000000000" pitchFamily="2" charset="0"/>
                 </a:rPr>
-                <a:t>Aug</a:t>
+                <a:t>M3</a:t>
               </a:r>
               <a:endParaRPr lang="en-US" sz="1200" dirty="0">
                 <a:solidFill>
@@ -3906,7 +3906,7 @@
                   <a:ea typeface="CMU Serif" panose="02000603000000000000" pitchFamily="2" charset="0"/>
                   <a:cs typeface="CMU Serif" panose="02000603000000000000" pitchFamily="2" charset="0"/>
                 </a:rPr>
-                <a:t>Sept</a:t>
+                <a:t>M4</a:t>
               </a:r>
               <a:endParaRPr lang="en-US" sz="1200" dirty="0">
                 <a:solidFill>
@@ -3970,7 +3970,7 @@
                   <a:ea typeface="CMU Serif" panose="02000603000000000000" pitchFamily="2" charset="0"/>
                   <a:cs typeface="CMU Serif" panose="02000603000000000000" pitchFamily="2" charset="0"/>
                 </a:rPr>
-                <a:t>Oct</a:t>
+                <a:t>M5</a:t>
               </a:r>
               <a:endParaRPr lang="en-US" sz="1200" dirty="0">
                 <a:solidFill>
